--- a/JavaStudy/JVM.pptx
+++ b/JavaStudy/JVM.pptx
@@ -6,12 +6,14 @@
   </p:sldMasterIdLst>
   <p:sldIdLst>
     <p:sldId id="256" r:id="rId2"/>
-    <p:sldId id="257" r:id="rId3"/>
-    <p:sldId id="258" r:id="rId4"/>
-    <p:sldId id="259" r:id="rId5"/>
-    <p:sldId id="260" r:id="rId6"/>
-    <p:sldId id="261" r:id="rId7"/>
-    <p:sldId id="262" r:id="rId8"/>
+    <p:sldId id="263" r:id="rId3"/>
+    <p:sldId id="264" r:id="rId4"/>
+    <p:sldId id="257" r:id="rId5"/>
+    <p:sldId id="258" r:id="rId6"/>
+    <p:sldId id="259" r:id="rId7"/>
+    <p:sldId id="260" r:id="rId8"/>
+    <p:sldId id="261" r:id="rId9"/>
+    <p:sldId id="262" r:id="rId10"/>
   </p:sldIdLst>
   <p:sldSz cx="12192000" cy="6858000"/>
   <p:notesSz cx="6858000" cy="9144000"/>
@@ -265,7 +267,7 @@
           <a:p>
             <a:fld id="{7C5FD2E6-F93B-47DB-924F-7DE9992026E1}" type="datetimeFigureOut">
               <a:rPr lang="zh-CN" altLang="en-US" smtClean="0"/>
-              <a:t>2018/9/24</a:t>
+              <a:t>2018/12/11</a:t>
             </a:fld>
             <a:endParaRPr lang="zh-CN" altLang="en-US"/>
           </a:p>
@@ -463,7 +465,7 @@
           <a:p>
             <a:fld id="{7C5FD2E6-F93B-47DB-924F-7DE9992026E1}" type="datetimeFigureOut">
               <a:rPr lang="zh-CN" altLang="en-US" smtClean="0"/>
-              <a:t>2018/9/24</a:t>
+              <a:t>2018/12/11</a:t>
             </a:fld>
             <a:endParaRPr lang="zh-CN" altLang="en-US"/>
           </a:p>
@@ -671,7 +673,7 @@
           <a:p>
             <a:fld id="{7C5FD2E6-F93B-47DB-924F-7DE9992026E1}" type="datetimeFigureOut">
               <a:rPr lang="zh-CN" altLang="en-US" smtClean="0"/>
-              <a:t>2018/9/24</a:t>
+              <a:t>2018/12/11</a:t>
             </a:fld>
             <a:endParaRPr lang="zh-CN" altLang="en-US"/>
           </a:p>
@@ -869,7 +871,7 @@
           <a:p>
             <a:fld id="{7C5FD2E6-F93B-47DB-924F-7DE9992026E1}" type="datetimeFigureOut">
               <a:rPr lang="zh-CN" altLang="en-US" smtClean="0"/>
-              <a:t>2018/9/24</a:t>
+              <a:t>2018/12/11</a:t>
             </a:fld>
             <a:endParaRPr lang="zh-CN" altLang="en-US"/>
           </a:p>
@@ -1144,7 +1146,7 @@
           <a:p>
             <a:fld id="{7C5FD2E6-F93B-47DB-924F-7DE9992026E1}" type="datetimeFigureOut">
               <a:rPr lang="zh-CN" altLang="en-US" smtClean="0"/>
-              <a:t>2018/9/24</a:t>
+              <a:t>2018/12/11</a:t>
             </a:fld>
             <a:endParaRPr lang="zh-CN" altLang="en-US"/>
           </a:p>
@@ -1409,7 +1411,7 @@
           <a:p>
             <a:fld id="{7C5FD2E6-F93B-47DB-924F-7DE9992026E1}" type="datetimeFigureOut">
               <a:rPr lang="zh-CN" altLang="en-US" smtClean="0"/>
-              <a:t>2018/9/24</a:t>
+              <a:t>2018/12/11</a:t>
             </a:fld>
             <a:endParaRPr lang="zh-CN" altLang="en-US"/>
           </a:p>
@@ -1821,7 +1823,7 @@
           <a:p>
             <a:fld id="{7C5FD2E6-F93B-47DB-924F-7DE9992026E1}" type="datetimeFigureOut">
               <a:rPr lang="zh-CN" altLang="en-US" smtClean="0"/>
-              <a:t>2018/9/24</a:t>
+              <a:t>2018/12/11</a:t>
             </a:fld>
             <a:endParaRPr lang="zh-CN" altLang="en-US"/>
           </a:p>
@@ -1962,7 +1964,7 @@
           <a:p>
             <a:fld id="{7C5FD2E6-F93B-47DB-924F-7DE9992026E1}" type="datetimeFigureOut">
               <a:rPr lang="zh-CN" altLang="en-US" smtClean="0"/>
-              <a:t>2018/9/24</a:t>
+              <a:t>2018/12/11</a:t>
             </a:fld>
             <a:endParaRPr lang="zh-CN" altLang="en-US"/>
           </a:p>
@@ -2075,7 +2077,7 @@
           <a:p>
             <a:fld id="{7C5FD2E6-F93B-47DB-924F-7DE9992026E1}" type="datetimeFigureOut">
               <a:rPr lang="zh-CN" altLang="en-US" smtClean="0"/>
-              <a:t>2018/9/24</a:t>
+              <a:t>2018/12/11</a:t>
             </a:fld>
             <a:endParaRPr lang="zh-CN" altLang="en-US"/>
           </a:p>
@@ -2386,7 +2388,7 @@
           <a:p>
             <a:fld id="{7C5FD2E6-F93B-47DB-924F-7DE9992026E1}" type="datetimeFigureOut">
               <a:rPr lang="zh-CN" altLang="en-US" smtClean="0"/>
-              <a:t>2018/9/24</a:t>
+              <a:t>2018/12/11</a:t>
             </a:fld>
             <a:endParaRPr lang="zh-CN" altLang="en-US"/>
           </a:p>
@@ -2674,7 +2676,7 @@
           <a:p>
             <a:fld id="{7C5FD2E6-F93B-47DB-924F-7DE9992026E1}" type="datetimeFigureOut">
               <a:rPr lang="zh-CN" altLang="en-US" smtClean="0"/>
-              <a:t>2018/9/24</a:t>
+              <a:t>2018/12/11</a:t>
             </a:fld>
             <a:endParaRPr lang="zh-CN" altLang="en-US"/>
           </a:p>
@@ -2915,7 +2917,7 @@
           <a:p>
             <a:fld id="{7C5FD2E6-F93B-47DB-924F-7DE9992026E1}" type="datetimeFigureOut">
               <a:rPr lang="zh-CN" altLang="en-US" smtClean="0"/>
-              <a:t>2018/9/24</a:t>
+              <a:t>2018/12/11</a:t>
             </a:fld>
             <a:endParaRPr lang="zh-CN" altLang="en-US"/>
           </a:p>
@@ -4082,6 +4084,1671 @@
 </file>
 
 <file path=ppt/slides/slide2.xml><?xml version="1.0" encoding="utf-8"?>
+<p:sld xmlns:a="http://schemas.openxmlformats.org/drawingml/2006/main" xmlns:r="http://schemas.openxmlformats.org/officeDocument/2006/relationships" xmlns:p="http://schemas.openxmlformats.org/presentationml/2006/main">
+  <p:cSld>
+    <p:bg>
+      <p:bgPr>
+        <a:solidFill>
+          <a:schemeClr val="accent2">
+            <a:lumMod val="60000"/>
+            <a:lumOff val="40000"/>
+          </a:schemeClr>
+        </a:solidFill>
+        <a:effectLst/>
+      </p:bgPr>
+    </p:bg>
+    <p:spTree>
+      <p:nvGrpSpPr>
+        <p:cNvPr id="1" name=""/>
+        <p:cNvGrpSpPr/>
+        <p:nvPr/>
+      </p:nvGrpSpPr>
+      <p:grpSpPr>
+        <a:xfrm>
+          <a:off x="0" y="0"/>
+          <a:ext cx="0" cy="0"/>
+          <a:chOff x="0" y="0"/>
+          <a:chExt cx="0" cy="0"/>
+        </a:xfrm>
+      </p:grpSpPr>
+      <p:sp>
+        <p:nvSpPr>
+          <p:cNvPr id="4" name="矩形: 圆角 3">
+            <a:extLst>
+              <a:ext uri="{FF2B5EF4-FFF2-40B4-BE49-F238E27FC236}">
+                <a16:creationId xmlns:a16="http://schemas.microsoft.com/office/drawing/2014/main" id="{64E02DB4-CE3F-48A0-B87E-D3174171E37F}"/>
+              </a:ext>
+            </a:extLst>
+          </p:cNvPr>
+          <p:cNvSpPr/>
+          <p:nvPr/>
+        </p:nvSpPr>
+        <p:spPr>
+          <a:xfrm>
+            <a:off x="3813717" y="825190"/>
+            <a:ext cx="3077737" cy="880947"/>
+          </a:xfrm>
+          <a:prstGeom prst="roundRect">
+            <a:avLst>
+              <a:gd name="adj" fmla="val 7806"/>
+            </a:avLst>
+          </a:prstGeom>
+          <a:solidFill>
+            <a:srgbClr val="92D050"/>
+          </a:solidFill>
+          <a:ln>
+            <a:noFill/>
+          </a:ln>
+          <a:effectLst>
+            <a:outerShdw blurRad="215900" dist="50800" dir="5400000" sx="101000" sy="101000" algn="ctr" rotWithShape="0">
+              <a:srgbClr val="000000">
+                <a:alpha val="9000"/>
+              </a:srgbClr>
+            </a:outerShdw>
+          </a:effectLst>
+        </p:spPr>
+        <p:style>
+          <a:lnRef idx="2">
+            <a:schemeClr val="accent1">
+              <a:shade val="50000"/>
+            </a:schemeClr>
+          </a:lnRef>
+          <a:fillRef idx="1">
+            <a:schemeClr val="accent1"/>
+          </a:fillRef>
+          <a:effectRef idx="0">
+            <a:schemeClr val="accent1"/>
+          </a:effectRef>
+          <a:fontRef idx="minor">
+            <a:schemeClr val="lt1"/>
+          </a:fontRef>
+        </p:style>
+        <p:txBody>
+          <a:bodyPr rtlCol="0" anchor="ctr"/>
+          <a:lstStyle/>
+          <a:p>
+            <a:pPr algn="ctr"/>
+            <a:r>
+              <a:rPr lang="en-US" altLang="zh-CN" sz="2400" dirty="0">
+                <a:latin typeface="Arial Black" panose="020B0A04020102020204" pitchFamily="34" charset="0"/>
+              </a:rPr>
+              <a:t>Collection</a:t>
+            </a:r>
+            <a:endParaRPr lang="zh-CN" altLang="en-US" sz="2400" dirty="0">
+              <a:latin typeface="Arial Black" panose="020B0A04020102020204" pitchFamily="34" charset="0"/>
+            </a:endParaRPr>
+          </a:p>
+        </p:txBody>
+      </p:sp>
+      <p:sp>
+        <p:nvSpPr>
+          <p:cNvPr id="5" name="矩形: 圆角 4">
+            <a:extLst>
+              <a:ext uri="{FF2B5EF4-FFF2-40B4-BE49-F238E27FC236}">
+                <a16:creationId xmlns:a16="http://schemas.microsoft.com/office/drawing/2014/main" id="{D09AC4A6-0A6E-4A6C-BFF8-A704F7C687F0}"/>
+              </a:ext>
+            </a:extLst>
+          </p:cNvPr>
+          <p:cNvSpPr/>
+          <p:nvPr/>
+        </p:nvSpPr>
+        <p:spPr>
+          <a:xfrm>
+            <a:off x="5149483" y="4923723"/>
+            <a:ext cx="1437055" cy="880947"/>
+          </a:xfrm>
+          <a:prstGeom prst="roundRect">
+            <a:avLst>
+              <a:gd name="adj" fmla="val 7806"/>
+            </a:avLst>
+          </a:prstGeom>
+          <a:solidFill>
+            <a:schemeClr val="tx1">
+              <a:lumMod val="75000"/>
+              <a:lumOff val="25000"/>
+            </a:schemeClr>
+          </a:solidFill>
+          <a:ln>
+            <a:noFill/>
+          </a:ln>
+          <a:effectLst>
+            <a:outerShdw blurRad="215900" dist="50800" dir="5400000" sx="101000" sy="101000" algn="ctr" rotWithShape="0">
+              <a:srgbClr val="000000">
+                <a:alpha val="9000"/>
+              </a:srgbClr>
+            </a:outerShdw>
+          </a:effectLst>
+        </p:spPr>
+        <p:style>
+          <a:lnRef idx="2">
+            <a:schemeClr val="accent1">
+              <a:shade val="50000"/>
+            </a:schemeClr>
+          </a:lnRef>
+          <a:fillRef idx="1">
+            <a:schemeClr val="accent1"/>
+          </a:fillRef>
+          <a:effectRef idx="0">
+            <a:schemeClr val="accent1"/>
+          </a:effectRef>
+          <a:fontRef idx="minor">
+            <a:schemeClr val="lt1"/>
+          </a:fontRef>
+        </p:style>
+        <p:txBody>
+          <a:bodyPr rtlCol="0" anchor="ctr"/>
+          <a:lstStyle/>
+          <a:p>
+            <a:pPr algn="ctr"/>
+            <a:r>
+              <a:rPr lang="en-US" altLang="zh-CN" sz="2400" dirty="0">
+                <a:latin typeface="Arial Black" panose="020B0A04020102020204" pitchFamily="34" charset="0"/>
+              </a:rPr>
+              <a:t>Vector</a:t>
+            </a:r>
+            <a:endParaRPr lang="zh-CN" altLang="en-US" sz="2400" dirty="0">
+              <a:latin typeface="Arial Black" panose="020B0A04020102020204" pitchFamily="34" charset="0"/>
+            </a:endParaRPr>
+          </a:p>
+        </p:txBody>
+      </p:sp>
+      <p:sp>
+        <p:nvSpPr>
+          <p:cNvPr id="6" name="矩形: 圆角 5">
+            <a:extLst>
+              <a:ext uri="{FF2B5EF4-FFF2-40B4-BE49-F238E27FC236}">
+                <a16:creationId xmlns:a16="http://schemas.microsoft.com/office/drawing/2014/main" id="{FAF657E2-774E-4582-8F92-18134E7D86C4}"/>
+              </a:ext>
+            </a:extLst>
+          </p:cNvPr>
+          <p:cNvSpPr/>
+          <p:nvPr/>
+        </p:nvSpPr>
+        <p:spPr>
+          <a:xfrm>
+            <a:off x="7639689" y="4923723"/>
+            <a:ext cx="1732912" cy="880947"/>
+          </a:xfrm>
+          <a:prstGeom prst="roundRect">
+            <a:avLst>
+              <a:gd name="adj" fmla="val 7806"/>
+            </a:avLst>
+          </a:prstGeom>
+          <a:solidFill>
+            <a:schemeClr val="tx1">
+              <a:lumMod val="75000"/>
+              <a:lumOff val="25000"/>
+            </a:schemeClr>
+          </a:solidFill>
+          <a:ln>
+            <a:noFill/>
+          </a:ln>
+          <a:effectLst>
+            <a:outerShdw blurRad="215900" dist="50800" dir="5400000" sx="101000" sy="101000" algn="ctr" rotWithShape="0">
+              <a:srgbClr val="000000">
+                <a:alpha val="9000"/>
+              </a:srgbClr>
+            </a:outerShdw>
+          </a:effectLst>
+        </p:spPr>
+        <p:style>
+          <a:lnRef idx="2">
+            <a:schemeClr val="accent1">
+              <a:shade val="50000"/>
+            </a:schemeClr>
+          </a:lnRef>
+          <a:fillRef idx="1">
+            <a:schemeClr val="accent1"/>
+          </a:fillRef>
+          <a:effectRef idx="0">
+            <a:schemeClr val="accent1"/>
+          </a:effectRef>
+          <a:fontRef idx="minor">
+            <a:schemeClr val="lt1"/>
+          </a:fontRef>
+        </p:style>
+        <p:txBody>
+          <a:bodyPr rtlCol="0" anchor="ctr"/>
+          <a:lstStyle/>
+          <a:p>
+            <a:pPr algn="ctr"/>
+            <a:r>
+              <a:rPr lang="en-US" altLang="zh-CN" sz="2400" dirty="0">
+                <a:latin typeface="Arial Black" panose="020B0A04020102020204" pitchFamily="34" charset="0"/>
+              </a:rPr>
+              <a:t>HashSet</a:t>
+            </a:r>
+            <a:endParaRPr lang="zh-CN" altLang="en-US" sz="2400" dirty="0">
+              <a:latin typeface="Arial Black" panose="020B0A04020102020204" pitchFamily="34" charset="0"/>
+            </a:endParaRPr>
+          </a:p>
+        </p:txBody>
+      </p:sp>
+      <p:sp>
+        <p:nvSpPr>
+          <p:cNvPr id="7" name="矩形: 圆角 6">
+            <a:extLst>
+              <a:ext uri="{FF2B5EF4-FFF2-40B4-BE49-F238E27FC236}">
+                <a16:creationId xmlns:a16="http://schemas.microsoft.com/office/drawing/2014/main" id="{CD076339-3BA4-4ECD-B322-47DD81EF1CCF}"/>
+              </a:ext>
+            </a:extLst>
+          </p:cNvPr>
+          <p:cNvSpPr/>
+          <p:nvPr/>
+        </p:nvSpPr>
+        <p:spPr>
+          <a:xfrm>
+            <a:off x="9971861" y="4923723"/>
+            <a:ext cx="1604847" cy="880947"/>
+          </a:xfrm>
+          <a:prstGeom prst="roundRect">
+            <a:avLst>
+              <a:gd name="adj" fmla="val 7806"/>
+            </a:avLst>
+          </a:prstGeom>
+          <a:solidFill>
+            <a:schemeClr val="tx1">
+              <a:lumMod val="75000"/>
+              <a:lumOff val="25000"/>
+            </a:schemeClr>
+          </a:solidFill>
+          <a:ln>
+            <a:noFill/>
+          </a:ln>
+          <a:effectLst>
+            <a:outerShdw blurRad="215900" dist="50800" dir="5400000" sx="101000" sy="101000" algn="ctr" rotWithShape="0">
+              <a:srgbClr val="000000">
+                <a:alpha val="9000"/>
+              </a:srgbClr>
+            </a:outerShdw>
+          </a:effectLst>
+        </p:spPr>
+        <p:style>
+          <a:lnRef idx="2">
+            <a:schemeClr val="accent1">
+              <a:shade val="50000"/>
+            </a:schemeClr>
+          </a:lnRef>
+          <a:fillRef idx="1">
+            <a:schemeClr val="accent1"/>
+          </a:fillRef>
+          <a:effectRef idx="0">
+            <a:schemeClr val="accent1"/>
+          </a:effectRef>
+          <a:fontRef idx="minor">
+            <a:schemeClr val="lt1"/>
+          </a:fontRef>
+        </p:style>
+        <p:txBody>
+          <a:bodyPr rtlCol="0" anchor="ctr"/>
+          <a:lstStyle/>
+          <a:p>
+            <a:pPr algn="ctr"/>
+            <a:r>
+              <a:rPr lang="en-US" altLang="zh-CN" sz="2400" dirty="0" err="1">
+                <a:latin typeface="Arial Black" panose="020B0A04020102020204" pitchFamily="34" charset="0"/>
+              </a:rPr>
+              <a:t>TreeSet</a:t>
+            </a:r>
+            <a:endParaRPr lang="zh-CN" altLang="en-US" sz="2400" dirty="0">
+              <a:latin typeface="Arial Black" panose="020B0A04020102020204" pitchFamily="34" charset="0"/>
+            </a:endParaRPr>
+          </a:p>
+        </p:txBody>
+      </p:sp>
+      <p:sp>
+        <p:nvSpPr>
+          <p:cNvPr id="8" name="矩形: 圆角 7">
+            <a:extLst>
+              <a:ext uri="{FF2B5EF4-FFF2-40B4-BE49-F238E27FC236}">
+                <a16:creationId xmlns:a16="http://schemas.microsoft.com/office/drawing/2014/main" id="{E0F1C477-7AA5-410A-8CEC-0760B6DB8208}"/>
+              </a:ext>
+            </a:extLst>
+          </p:cNvPr>
+          <p:cNvSpPr/>
+          <p:nvPr/>
+        </p:nvSpPr>
+        <p:spPr>
+          <a:xfrm>
+            <a:off x="2983939" y="4925932"/>
+            <a:ext cx="1977483" cy="880947"/>
+          </a:xfrm>
+          <a:prstGeom prst="roundRect">
+            <a:avLst>
+              <a:gd name="adj" fmla="val 7806"/>
+            </a:avLst>
+          </a:prstGeom>
+          <a:solidFill>
+            <a:schemeClr val="tx1">
+              <a:lumMod val="75000"/>
+              <a:lumOff val="25000"/>
+            </a:schemeClr>
+          </a:solidFill>
+          <a:ln>
+            <a:noFill/>
+          </a:ln>
+          <a:effectLst>
+            <a:outerShdw blurRad="215900" dist="50800" dir="5400000" sx="101000" sy="101000" algn="ctr" rotWithShape="0">
+              <a:srgbClr val="000000">
+                <a:alpha val="9000"/>
+              </a:srgbClr>
+            </a:outerShdw>
+          </a:effectLst>
+        </p:spPr>
+        <p:style>
+          <a:lnRef idx="2">
+            <a:schemeClr val="accent1">
+              <a:shade val="50000"/>
+            </a:schemeClr>
+          </a:lnRef>
+          <a:fillRef idx="1">
+            <a:schemeClr val="accent1"/>
+          </a:fillRef>
+          <a:effectRef idx="0">
+            <a:schemeClr val="accent1"/>
+          </a:effectRef>
+          <a:fontRef idx="minor">
+            <a:schemeClr val="lt1"/>
+          </a:fontRef>
+        </p:style>
+        <p:txBody>
+          <a:bodyPr rtlCol="0" anchor="ctr"/>
+          <a:lstStyle/>
+          <a:p>
+            <a:pPr algn="ctr"/>
+            <a:r>
+              <a:rPr lang="en-US" altLang="zh-CN" sz="2400" dirty="0">
+                <a:latin typeface="Arial Black" panose="020B0A04020102020204" pitchFamily="34" charset="0"/>
+              </a:rPr>
+              <a:t>LinkedList</a:t>
+            </a:r>
+            <a:endParaRPr lang="zh-CN" altLang="en-US" sz="2400" dirty="0">
+              <a:latin typeface="Arial Black" panose="020B0A04020102020204" pitchFamily="34" charset="0"/>
+            </a:endParaRPr>
+          </a:p>
+        </p:txBody>
+      </p:sp>
+      <p:sp>
+        <p:nvSpPr>
+          <p:cNvPr id="9" name="矩形: 圆角 8">
+            <a:extLst>
+              <a:ext uri="{FF2B5EF4-FFF2-40B4-BE49-F238E27FC236}">
+                <a16:creationId xmlns:a16="http://schemas.microsoft.com/office/drawing/2014/main" id="{65E55FB7-9A04-4BD3-B4C5-2599118A89FB}"/>
+              </a:ext>
+            </a:extLst>
+          </p:cNvPr>
+          <p:cNvSpPr/>
+          <p:nvPr/>
+        </p:nvSpPr>
+        <p:spPr>
+          <a:xfrm>
+            <a:off x="706942" y="4916177"/>
+            <a:ext cx="1850522" cy="880947"/>
+          </a:xfrm>
+          <a:prstGeom prst="roundRect">
+            <a:avLst>
+              <a:gd name="adj" fmla="val 7806"/>
+            </a:avLst>
+          </a:prstGeom>
+          <a:solidFill>
+            <a:schemeClr val="tx1">
+              <a:lumMod val="75000"/>
+              <a:lumOff val="25000"/>
+            </a:schemeClr>
+          </a:solidFill>
+          <a:ln>
+            <a:noFill/>
+          </a:ln>
+          <a:effectLst>
+            <a:outerShdw blurRad="215900" dist="50800" dir="5400000" sx="101000" sy="101000" algn="ctr" rotWithShape="0">
+              <a:srgbClr val="000000">
+                <a:alpha val="9000"/>
+              </a:srgbClr>
+            </a:outerShdw>
+          </a:effectLst>
+        </p:spPr>
+        <p:style>
+          <a:lnRef idx="2">
+            <a:schemeClr val="accent1">
+              <a:shade val="50000"/>
+            </a:schemeClr>
+          </a:lnRef>
+          <a:fillRef idx="1">
+            <a:schemeClr val="accent1"/>
+          </a:fillRef>
+          <a:effectRef idx="0">
+            <a:schemeClr val="accent1"/>
+          </a:effectRef>
+          <a:fontRef idx="minor">
+            <a:schemeClr val="lt1"/>
+          </a:fontRef>
+        </p:style>
+        <p:txBody>
+          <a:bodyPr rtlCol="0" anchor="ctr"/>
+          <a:lstStyle/>
+          <a:p>
+            <a:pPr algn="ctr"/>
+            <a:r>
+              <a:rPr lang="en-US" altLang="zh-CN" sz="2400" dirty="0" err="1">
+                <a:latin typeface="Arial Black" panose="020B0A04020102020204" pitchFamily="34" charset="0"/>
+              </a:rPr>
+              <a:t>ArrayList</a:t>
+            </a:r>
+            <a:endParaRPr lang="zh-CN" altLang="en-US" sz="2400" dirty="0">
+              <a:latin typeface="Arial Black" panose="020B0A04020102020204" pitchFamily="34" charset="0"/>
+            </a:endParaRPr>
+          </a:p>
+        </p:txBody>
+      </p:sp>
+      <p:sp>
+        <p:nvSpPr>
+          <p:cNvPr id="10" name="矩形: 圆角 9">
+            <a:extLst>
+              <a:ext uri="{FF2B5EF4-FFF2-40B4-BE49-F238E27FC236}">
+                <a16:creationId xmlns:a16="http://schemas.microsoft.com/office/drawing/2014/main" id="{1CB8A6A8-DEBE-46DF-9DBE-1E55B853F051}"/>
+              </a:ext>
+            </a:extLst>
+          </p:cNvPr>
+          <p:cNvSpPr/>
+          <p:nvPr/>
+        </p:nvSpPr>
+        <p:spPr>
+          <a:xfrm>
+            <a:off x="8791577" y="2917089"/>
+            <a:ext cx="1434558" cy="880947"/>
+          </a:xfrm>
+          <a:prstGeom prst="roundRect">
+            <a:avLst>
+              <a:gd name="adj" fmla="val 7806"/>
+            </a:avLst>
+          </a:prstGeom>
+          <a:solidFill>
+            <a:srgbClr val="92D050"/>
+          </a:solidFill>
+          <a:ln>
+            <a:noFill/>
+          </a:ln>
+          <a:effectLst>
+            <a:outerShdw blurRad="215900" dist="50800" dir="5400000" sx="101000" sy="101000" algn="ctr" rotWithShape="0">
+              <a:srgbClr val="000000">
+                <a:alpha val="9000"/>
+              </a:srgbClr>
+            </a:outerShdw>
+          </a:effectLst>
+        </p:spPr>
+        <p:style>
+          <a:lnRef idx="2">
+            <a:schemeClr val="accent1">
+              <a:shade val="50000"/>
+            </a:schemeClr>
+          </a:lnRef>
+          <a:fillRef idx="1">
+            <a:schemeClr val="accent1"/>
+          </a:fillRef>
+          <a:effectRef idx="0">
+            <a:schemeClr val="accent1"/>
+          </a:effectRef>
+          <a:fontRef idx="minor">
+            <a:schemeClr val="lt1"/>
+          </a:fontRef>
+        </p:style>
+        <p:txBody>
+          <a:bodyPr rtlCol="0" anchor="ctr"/>
+          <a:lstStyle/>
+          <a:p>
+            <a:pPr algn="ctr"/>
+            <a:r>
+              <a:rPr lang="en-US" altLang="zh-CN" sz="2400" dirty="0">
+                <a:latin typeface="Arial Black" panose="020B0A04020102020204" pitchFamily="34" charset="0"/>
+              </a:rPr>
+              <a:t>Set</a:t>
+            </a:r>
+            <a:endParaRPr lang="zh-CN" altLang="en-US" sz="2400" dirty="0">
+              <a:latin typeface="Arial Black" panose="020B0A04020102020204" pitchFamily="34" charset="0"/>
+            </a:endParaRPr>
+          </a:p>
+        </p:txBody>
+      </p:sp>
+      <p:sp>
+        <p:nvSpPr>
+          <p:cNvPr id="11" name="矩形: 圆角 10">
+            <a:extLst>
+              <a:ext uri="{FF2B5EF4-FFF2-40B4-BE49-F238E27FC236}">
+                <a16:creationId xmlns:a16="http://schemas.microsoft.com/office/drawing/2014/main" id="{18096837-E3DC-4FAF-90C8-436CA493DE91}"/>
+              </a:ext>
+            </a:extLst>
+          </p:cNvPr>
+          <p:cNvSpPr/>
+          <p:nvPr/>
+        </p:nvSpPr>
+        <p:spPr>
+          <a:xfrm>
+            <a:off x="1880143" y="2988526"/>
+            <a:ext cx="1434558" cy="880947"/>
+          </a:xfrm>
+          <a:prstGeom prst="roundRect">
+            <a:avLst>
+              <a:gd name="adj" fmla="val 7806"/>
+            </a:avLst>
+          </a:prstGeom>
+          <a:solidFill>
+            <a:srgbClr val="92D050"/>
+          </a:solidFill>
+          <a:ln>
+            <a:noFill/>
+          </a:ln>
+          <a:effectLst>
+            <a:outerShdw blurRad="215900" dist="50800" dir="5400000" sx="101000" sy="101000" algn="ctr" rotWithShape="0">
+              <a:srgbClr val="000000">
+                <a:alpha val="9000"/>
+              </a:srgbClr>
+            </a:outerShdw>
+          </a:effectLst>
+        </p:spPr>
+        <p:style>
+          <a:lnRef idx="2">
+            <a:schemeClr val="accent1">
+              <a:shade val="50000"/>
+            </a:schemeClr>
+          </a:lnRef>
+          <a:fillRef idx="1">
+            <a:schemeClr val="accent1"/>
+          </a:fillRef>
+          <a:effectRef idx="0">
+            <a:schemeClr val="accent1"/>
+          </a:effectRef>
+          <a:fontRef idx="minor">
+            <a:schemeClr val="lt1"/>
+          </a:fontRef>
+        </p:style>
+        <p:txBody>
+          <a:bodyPr rtlCol="0" anchor="ctr"/>
+          <a:lstStyle/>
+          <a:p>
+            <a:pPr algn="ctr"/>
+            <a:r>
+              <a:rPr lang="en-US" altLang="zh-CN" sz="2400" dirty="0">
+                <a:latin typeface="Arial Black" panose="020B0A04020102020204" pitchFamily="34" charset="0"/>
+              </a:rPr>
+              <a:t>List</a:t>
+            </a:r>
+            <a:endParaRPr lang="zh-CN" altLang="en-US" sz="2400" dirty="0">
+              <a:latin typeface="Arial Black" panose="020B0A04020102020204" pitchFamily="34" charset="0"/>
+            </a:endParaRPr>
+          </a:p>
+        </p:txBody>
+      </p:sp>
+      <p:cxnSp>
+        <p:nvCxnSpPr>
+          <p:cNvPr id="13" name="直接箭头连接符 12">
+            <a:extLst>
+              <a:ext uri="{FF2B5EF4-FFF2-40B4-BE49-F238E27FC236}">
+                <a16:creationId xmlns:a16="http://schemas.microsoft.com/office/drawing/2014/main" id="{DADC32D0-B07A-4432-8131-697A8791AF2B}"/>
+              </a:ext>
+            </a:extLst>
+          </p:cNvPr>
+          <p:cNvCxnSpPr>
+            <a:stCxn id="11" idx="0"/>
+            <a:endCxn id="4" idx="2"/>
+          </p:cNvCxnSpPr>
+          <p:nvPr/>
+        </p:nvCxnSpPr>
+        <p:spPr>
+          <a:xfrm flipV="1">
+            <a:off x="2597422" y="1706137"/>
+            <a:ext cx="2755164" cy="1282389"/>
+          </a:xfrm>
+          <a:prstGeom prst="straightConnector1">
+            <a:avLst/>
+          </a:prstGeom>
+          <a:ln>
+            <a:tailEnd type="triangle"/>
+          </a:ln>
+        </p:spPr>
+        <p:style>
+          <a:lnRef idx="1">
+            <a:schemeClr val="accent1"/>
+          </a:lnRef>
+          <a:fillRef idx="0">
+            <a:schemeClr val="accent1"/>
+          </a:fillRef>
+          <a:effectRef idx="0">
+            <a:schemeClr val="accent1"/>
+          </a:effectRef>
+          <a:fontRef idx="minor">
+            <a:schemeClr val="tx1"/>
+          </a:fontRef>
+        </p:style>
+      </p:cxnSp>
+      <p:cxnSp>
+        <p:nvCxnSpPr>
+          <p:cNvPr id="14" name="直接箭头连接符 13">
+            <a:extLst>
+              <a:ext uri="{FF2B5EF4-FFF2-40B4-BE49-F238E27FC236}">
+                <a16:creationId xmlns:a16="http://schemas.microsoft.com/office/drawing/2014/main" id="{ADCB58A9-A142-4A4C-A31E-20B688D74426}"/>
+              </a:ext>
+            </a:extLst>
+          </p:cNvPr>
+          <p:cNvCxnSpPr>
+            <a:cxnSpLocks/>
+            <a:stCxn id="10" idx="0"/>
+            <a:endCxn id="4" idx="2"/>
+          </p:cNvCxnSpPr>
+          <p:nvPr/>
+        </p:nvCxnSpPr>
+        <p:spPr>
+          <a:xfrm flipH="1" flipV="1">
+            <a:off x="5352586" y="1706137"/>
+            <a:ext cx="4156270" cy="1210952"/>
+          </a:xfrm>
+          <a:prstGeom prst="straightConnector1">
+            <a:avLst/>
+          </a:prstGeom>
+          <a:ln>
+            <a:tailEnd type="triangle"/>
+          </a:ln>
+        </p:spPr>
+        <p:style>
+          <a:lnRef idx="1">
+            <a:schemeClr val="accent1"/>
+          </a:lnRef>
+          <a:fillRef idx="0">
+            <a:schemeClr val="accent1"/>
+          </a:fillRef>
+          <a:effectRef idx="0">
+            <a:schemeClr val="accent1"/>
+          </a:effectRef>
+          <a:fontRef idx="minor">
+            <a:schemeClr val="tx1"/>
+          </a:fontRef>
+        </p:style>
+      </p:cxnSp>
+      <p:cxnSp>
+        <p:nvCxnSpPr>
+          <p:cNvPr id="18" name="直接箭头连接符 17">
+            <a:extLst>
+              <a:ext uri="{FF2B5EF4-FFF2-40B4-BE49-F238E27FC236}">
+                <a16:creationId xmlns:a16="http://schemas.microsoft.com/office/drawing/2014/main" id="{2CB25839-3CE0-4AB7-A7E7-09C5BAC22508}"/>
+              </a:ext>
+            </a:extLst>
+          </p:cNvPr>
+          <p:cNvCxnSpPr>
+            <a:stCxn id="9" idx="0"/>
+            <a:endCxn id="11" idx="2"/>
+          </p:cNvCxnSpPr>
+          <p:nvPr/>
+        </p:nvCxnSpPr>
+        <p:spPr>
+          <a:xfrm flipV="1">
+            <a:off x="1632203" y="3869473"/>
+            <a:ext cx="965219" cy="1046704"/>
+          </a:xfrm>
+          <a:prstGeom prst="straightConnector1">
+            <a:avLst/>
+          </a:prstGeom>
+          <a:ln>
+            <a:tailEnd type="triangle"/>
+          </a:ln>
+        </p:spPr>
+        <p:style>
+          <a:lnRef idx="1">
+            <a:schemeClr val="accent1"/>
+          </a:lnRef>
+          <a:fillRef idx="0">
+            <a:schemeClr val="accent1"/>
+          </a:fillRef>
+          <a:effectRef idx="0">
+            <a:schemeClr val="accent1"/>
+          </a:effectRef>
+          <a:fontRef idx="minor">
+            <a:schemeClr val="tx1"/>
+          </a:fontRef>
+        </p:style>
+      </p:cxnSp>
+      <p:cxnSp>
+        <p:nvCxnSpPr>
+          <p:cNvPr id="20" name="直接箭头连接符 19">
+            <a:extLst>
+              <a:ext uri="{FF2B5EF4-FFF2-40B4-BE49-F238E27FC236}">
+                <a16:creationId xmlns:a16="http://schemas.microsoft.com/office/drawing/2014/main" id="{96A9EA09-6615-486D-AE28-5D9D76896D87}"/>
+              </a:ext>
+            </a:extLst>
+          </p:cNvPr>
+          <p:cNvCxnSpPr>
+            <a:stCxn id="8" idx="0"/>
+            <a:endCxn id="11" idx="2"/>
+          </p:cNvCxnSpPr>
+          <p:nvPr/>
+        </p:nvCxnSpPr>
+        <p:spPr>
+          <a:xfrm flipH="1" flipV="1">
+            <a:off x="2597422" y="3869473"/>
+            <a:ext cx="1375259" cy="1056459"/>
+          </a:xfrm>
+          <a:prstGeom prst="straightConnector1">
+            <a:avLst/>
+          </a:prstGeom>
+          <a:ln>
+            <a:tailEnd type="triangle"/>
+          </a:ln>
+        </p:spPr>
+        <p:style>
+          <a:lnRef idx="1">
+            <a:schemeClr val="accent1"/>
+          </a:lnRef>
+          <a:fillRef idx="0">
+            <a:schemeClr val="accent1"/>
+          </a:fillRef>
+          <a:effectRef idx="0">
+            <a:schemeClr val="accent1"/>
+          </a:effectRef>
+          <a:fontRef idx="minor">
+            <a:schemeClr val="tx1"/>
+          </a:fontRef>
+        </p:style>
+      </p:cxnSp>
+      <p:cxnSp>
+        <p:nvCxnSpPr>
+          <p:cNvPr id="22" name="直接箭头连接符 21">
+            <a:extLst>
+              <a:ext uri="{FF2B5EF4-FFF2-40B4-BE49-F238E27FC236}">
+                <a16:creationId xmlns:a16="http://schemas.microsoft.com/office/drawing/2014/main" id="{59D38D6F-4618-4439-B232-E2F994EF3308}"/>
+              </a:ext>
+            </a:extLst>
+          </p:cNvPr>
+          <p:cNvCxnSpPr>
+            <a:stCxn id="5" idx="0"/>
+            <a:endCxn id="11" idx="2"/>
+          </p:cNvCxnSpPr>
+          <p:nvPr/>
+        </p:nvCxnSpPr>
+        <p:spPr>
+          <a:xfrm flipH="1" flipV="1">
+            <a:off x="2597422" y="3869473"/>
+            <a:ext cx="3270589" cy="1054250"/>
+          </a:xfrm>
+          <a:prstGeom prst="straightConnector1">
+            <a:avLst/>
+          </a:prstGeom>
+          <a:ln>
+            <a:tailEnd type="triangle"/>
+          </a:ln>
+        </p:spPr>
+        <p:style>
+          <a:lnRef idx="1">
+            <a:schemeClr val="accent1"/>
+          </a:lnRef>
+          <a:fillRef idx="0">
+            <a:schemeClr val="accent1"/>
+          </a:fillRef>
+          <a:effectRef idx="0">
+            <a:schemeClr val="accent1"/>
+          </a:effectRef>
+          <a:fontRef idx="minor">
+            <a:schemeClr val="tx1"/>
+          </a:fontRef>
+        </p:style>
+      </p:cxnSp>
+      <p:cxnSp>
+        <p:nvCxnSpPr>
+          <p:cNvPr id="24" name="直接箭头连接符 23">
+            <a:extLst>
+              <a:ext uri="{FF2B5EF4-FFF2-40B4-BE49-F238E27FC236}">
+                <a16:creationId xmlns:a16="http://schemas.microsoft.com/office/drawing/2014/main" id="{4ACB5BEE-6BC6-43DC-87A0-8A633ED6BC77}"/>
+              </a:ext>
+            </a:extLst>
+          </p:cNvPr>
+          <p:cNvCxnSpPr>
+            <a:stCxn id="6" idx="0"/>
+            <a:endCxn id="10" idx="2"/>
+          </p:cNvCxnSpPr>
+          <p:nvPr/>
+        </p:nvCxnSpPr>
+        <p:spPr>
+          <a:xfrm flipV="1">
+            <a:off x="8506145" y="3798036"/>
+            <a:ext cx="1002711" cy="1125687"/>
+          </a:xfrm>
+          <a:prstGeom prst="straightConnector1">
+            <a:avLst/>
+          </a:prstGeom>
+          <a:ln>
+            <a:tailEnd type="triangle"/>
+          </a:ln>
+        </p:spPr>
+        <p:style>
+          <a:lnRef idx="1">
+            <a:schemeClr val="accent1"/>
+          </a:lnRef>
+          <a:fillRef idx="0">
+            <a:schemeClr val="accent1"/>
+          </a:fillRef>
+          <a:effectRef idx="0">
+            <a:schemeClr val="accent1"/>
+          </a:effectRef>
+          <a:fontRef idx="minor">
+            <a:schemeClr val="tx1"/>
+          </a:fontRef>
+        </p:style>
+      </p:cxnSp>
+      <p:cxnSp>
+        <p:nvCxnSpPr>
+          <p:cNvPr id="26" name="直接箭头连接符 25">
+            <a:extLst>
+              <a:ext uri="{FF2B5EF4-FFF2-40B4-BE49-F238E27FC236}">
+                <a16:creationId xmlns:a16="http://schemas.microsoft.com/office/drawing/2014/main" id="{548045B5-2EA1-4546-9851-8A1005FAEB0A}"/>
+              </a:ext>
+            </a:extLst>
+          </p:cNvPr>
+          <p:cNvCxnSpPr>
+            <a:stCxn id="7" idx="0"/>
+            <a:endCxn id="10" idx="2"/>
+          </p:cNvCxnSpPr>
+          <p:nvPr/>
+        </p:nvCxnSpPr>
+        <p:spPr>
+          <a:xfrm flipH="1" flipV="1">
+            <a:off x="9508856" y="3798036"/>
+            <a:ext cx="1265429" cy="1125687"/>
+          </a:xfrm>
+          <a:prstGeom prst="straightConnector1">
+            <a:avLst/>
+          </a:prstGeom>
+          <a:ln>
+            <a:tailEnd type="triangle"/>
+          </a:ln>
+        </p:spPr>
+        <p:style>
+          <a:lnRef idx="1">
+            <a:schemeClr val="accent1"/>
+          </a:lnRef>
+          <a:fillRef idx="0">
+            <a:schemeClr val="accent1"/>
+          </a:fillRef>
+          <a:effectRef idx="0">
+            <a:schemeClr val="accent1"/>
+          </a:effectRef>
+          <a:fontRef idx="minor">
+            <a:schemeClr val="tx1"/>
+          </a:fontRef>
+        </p:style>
+      </p:cxnSp>
+    </p:spTree>
+    <p:extLst>
+      <p:ext uri="{BB962C8B-B14F-4D97-AF65-F5344CB8AC3E}">
+        <p14:creationId xmlns:p14="http://schemas.microsoft.com/office/powerpoint/2010/main" val="2970475335"/>
+      </p:ext>
+    </p:extLst>
+  </p:cSld>
+  <p:clrMapOvr>
+    <a:masterClrMapping/>
+  </p:clrMapOvr>
+</p:sld>
+</file>
+
+<file path=ppt/slides/slide3.xml><?xml version="1.0" encoding="utf-8"?>
+<p:sld xmlns:a="http://schemas.openxmlformats.org/drawingml/2006/main" xmlns:r="http://schemas.openxmlformats.org/officeDocument/2006/relationships" xmlns:p="http://schemas.openxmlformats.org/presentationml/2006/main">
+  <p:cSld>
+    <p:bg>
+      <p:bgPr>
+        <a:solidFill>
+          <a:schemeClr val="accent2">
+            <a:lumMod val="40000"/>
+            <a:lumOff val="60000"/>
+          </a:schemeClr>
+        </a:solidFill>
+        <a:effectLst/>
+      </p:bgPr>
+    </p:bg>
+    <p:spTree>
+      <p:nvGrpSpPr>
+        <p:cNvPr id="1" name=""/>
+        <p:cNvGrpSpPr/>
+        <p:nvPr/>
+      </p:nvGrpSpPr>
+      <p:grpSpPr>
+        <a:xfrm>
+          <a:off x="0" y="0"/>
+          <a:ext cx="0" cy="0"/>
+          <a:chOff x="0" y="0"/>
+          <a:chExt cx="0" cy="0"/>
+        </a:xfrm>
+      </p:grpSpPr>
+      <p:sp>
+        <p:nvSpPr>
+          <p:cNvPr id="4" name="矩形: 圆角 3">
+            <a:extLst>
+              <a:ext uri="{FF2B5EF4-FFF2-40B4-BE49-F238E27FC236}">
+                <a16:creationId xmlns:a16="http://schemas.microsoft.com/office/drawing/2014/main" id="{64E02DB4-CE3F-48A0-B87E-D3174171E37F}"/>
+              </a:ext>
+            </a:extLst>
+          </p:cNvPr>
+          <p:cNvSpPr/>
+          <p:nvPr/>
+        </p:nvSpPr>
+        <p:spPr>
+          <a:xfrm>
+            <a:off x="2856427" y="1869187"/>
+            <a:ext cx="5048929" cy="2093856"/>
+          </a:xfrm>
+          <a:prstGeom prst="roundRect">
+            <a:avLst>
+              <a:gd name="adj" fmla="val 7806"/>
+            </a:avLst>
+          </a:prstGeom>
+          <a:solidFill>
+            <a:srgbClr val="92D050"/>
+          </a:solidFill>
+          <a:ln>
+            <a:noFill/>
+          </a:ln>
+          <a:effectLst>
+            <a:outerShdw blurRad="215900" dist="50800" dir="5400000" sx="101000" sy="101000" algn="ctr" rotWithShape="0">
+              <a:srgbClr val="000000">
+                <a:alpha val="9000"/>
+              </a:srgbClr>
+            </a:outerShdw>
+          </a:effectLst>
+        </p:spPr>
+        <p:style>
+          <a:lnRef idx="2">
+            <a:schemeClr val="accent1">
+              <a:shade val="50000"/>
+            </a:schemeClr>
+          </a:lnRef>
+          <a:fillRef idx="1">
+            <a:schemeClr val="accent1"/>
+          </a:fillRef>
+          <a:effectRef idx="0">
+            <a:schemeClr val="accent1"/>
+          </a:effectRef>
+          <a:fontRef idx="minor">
+            <a:schemeClr val="lt1"/>
+          </a:fontRef>
+        </p:style>
+        <p:txBody>
+          <a:bodyPr rtlCol="0" anchor="ctr"/>
+          <a:lstStyle/>
+          <a:p>
+            <a:pPr algn="ctr"/>
+            <a:r>
+              <a:rPr lang="zh-CN" altLang="en-US" sz="2400" dirty="0">
+                <a:latin typeface="Arial Black" panose="020B0A04020102020204" pitchFamily="34" charset="0"/>
+              </a:rPr>
+              <a:t>连接池</a:t>
+            </a:r>
+          </a:p>
+        </p:txBody>
+      </p:sp>
+      <p:sp>
+        <p:nvSpPr>
+          <p:cNvPr id="2" name="椭圆 1">
+            <a:extLst>
+              <a:ext uri="{FF2B5EF4-FFF2-40B4-BE49-F238E27FC236}">
+                <a16:creationId xmlns:a16="http://schemas.microsoft.com/office/drawing/2014/main" id="{95CA96C0-A8FE-4DDD-A485-56028919311A}"/>
+              </a:ext>
+            </a:extLst>
+          </p:cNvPr>
+          <p:cNvSpPr/>
+          <p:nvPr/>
+        </p:nvSpPr>
+        <p:spPr>
+          <a:xfrm>
+            <a:off x="4337539" y="3329997"/>
+            <a:ext cx="445477" cy="445477"/>
+          </a:xfrm>
+          <a:prstGeom prst="ellipse">
+            <a:avLst/>
+          </a:prstGeom>
+          <a:ln>
+            <a:noFill/>
+          </a:ln>
+        </p:spPr>
+        <p:style>
+          <a:lnRef idx="2">
+            <a:schemeClr val="accent1">
+              <a:shade val="50000"/>
+            </a:schemeClr>
+          </a:lnRef>
+          <a:fillRef idx="1">
+            <a:schemeClr val="accent1"/>
+          </a:fillRef>
+          <a:effectRef idx="0">
+            <a:schemeClr val="accent1"/>
+          </a:effectRef>
+          <a:fontRef idx="minor">
+            <a:schemeClr val="lt1"/>
+          </a:fontRef>
+        </p:style>
+        <p:txBody>
+          <a:bodyPr rtlCol="0" anchor="ctr"/>
+          <a:lstStyle/>
+          <a:p>
+            <a:pPr algn="ctr"/>
+            <a:endParaRPr lang="zh-CN" altLang="en-US"/>
+          </a:p>
+        </p:txBody>
+      </p:sp>
+      <p:sp>
+        <p:nvSpPr>
+          <p:cNvPr id="19" name="椭圆 18">
+            <a:extLst>
+              <a:ext uri="{FF2B5EF4-FFF2-40B4-BE49-F238E27FC236}">
+                <a16:creationId xmlns:a16="http://schemas.microsoft.com/office/drawing/2014/main" id="{25F4E502-8347-4B83-837B-6023190876F7}"/>
+              </a:ext>
+            </a:extLst>
+          </p:cNvPr>
+          <p:cNvSpPr/>
+          <p:nvPr/>
+        </p:nvSpPr>
+        <p:spPr>
+          <a:xfrm>
+            <a:off x="4935415" y="3329997"/>
+            <a:ext cx="445477" cy="445477"/>
+          </a:xfrm>
+          <a:prstGeom prst="ellipse">
+            <a:avLst/>
+          </a:prstGeom>
+          <a:ln>
+            <a:noFill/>
+          </a:ln>
+        </p:spPr>
+        <p:style>
+          <a:lnRef idx="2">
+            <a:schemeClr val="accent1">
+              <a:shade val="50000"/>
+            </a:schemeClr>
+          </a:lnRef>
+          <a:fillRef idx="1">
+            <a:schemeClr val="accent1"/>
+          </a:fillRef>
+          <a:effectRef idx="0">
+            <a:schemeClr val="accent1"/>
+          </a:effectRef>
+          <a:fontRef idx="minor">
+            <a:schemeClr val="lt1"/>
+          </a:fontRef>
+        </p:style>
+        <p:txBody>
+          <a:bodyPr rtlCol="0" anchor="ctr"/>
+          <a:lstStyle/>
+          <a:p>
+            <a:pPr algn="ctr"/>
+            <a:endParaRPr lang="zh-CN" altLang="en-US"/>
+          </a:p>
+        </p:txBody>
+      </p:sp>
+      <p:sp>
+        <p:nvSpPr>
+          <p:cNvPr id="21" name="椭圆 20">
+            <a:extLst>
+              <a:ext uri="{FF2B5EF4-FFF2-40B4-BE49-F238E27FC236}">
+                <a16:creationId xmlns:a16="http://schemas.microsoft.com/office/drawing/2014/main" id="{B47CBE25-E670-407D-A4D8-51F68B6E4695}"/>
+              </a:ext>
+            </a:extLst>
+          </p:cNvPr>
+          <p:cNvSpPr/>
+          <p:nvPr/>
+        </p:nvSpPr>
+        <p:spPr>
+          <a:xfrm>
+            <a:off x="5509850" y="3329997"/>
+            <a:ext cx="445477" cy="445477"/>
+          </a:xfrm>
+          <a:prstGeom prst="ellipse">
+            <a:avLst/>
+          </a:prstGeom>
+          <a:ln>
+            <a:noFill/>
+          </a:ln>
+        </p:spPr>
+        <p:style>
+          <a:lnRef idx="2">
+            <a:schemeClr val="accent1">
+              <a:shade val="50000"/>
+            </a:schemeClr>
+          </a:lnRef>
+          <a:fillRef idx="1">
+            <a:schemeClr val="accent1"/>
+          </a:fillRef>
+          <a:effectRef idx="0">
+            <a:schemeClr val="accent1"/>
+          </a:effectRef>
+          <a:fontRef idx="minor">
+            <a:schemeClr val="lt1"/>
+          </a:fontRef>
+        </p:style>
+        <p:txBody>
+          <a:bodyPr rtlCol="0" anchor="ctr"/>
+          <a:lstStyle/>
+          <a:p>
+            <a:pPr algn="ctr"/>
+            <a:endParaRPr lang="zh-CN" altLang="en-US"/>
+          </a:p>
+        </p:txBody>
+      </p:sp>
+      <p:sp>
+        <p:nvSpPr>
+          <p:cNvPr id="23" name="椭圆 22">
+            <a:extLst>
+              <a:ext uri="{FF2B5EF4-FFF2-40B4-BE49-F238E27FC236}">
+                <a16:creationId xmlns:a16="http://schemas.microsoft.com/office/drawing/2014/main" id="{0C672C0E-F731-464D-A756-BA6E04D63BF5}"/>
+              </a:ext>
+            </a:extLst>
+          </p:cNvPr>
+          <p:cNvSpPr/>
+          <p:nvPr/>
+        </p:nvSpPr>
+        <p:spPr>
+          <a:xfrm>
+            <a:off x="6107726" y="3329997"/>
+            <a:ext cx="445477" cy="445477"/>
+          </a:xfrm>
+          <a:prstGeom prst="ellipse">
+            <a:avLst/>
+          </a:prstGeom>
+          <a:ln>
+            <a:noFill/>
+          </a:ln>
+        </p:spPr>
+        <p:style>
+          <a:lnRef idx="2">
+            <a:schemeClr val="accent1">
+              <a:shade val="50000"/>
+            </a:schemeClr>
+          </a:lnRef>
+          <a:fillRef idx="1">
+            <a:schemeClr val="accent1"/>
+          </a:fillRef>
+          <a:effectRef idx="0">
+            <a:schemeClr val="accent1"/>
+          </a:effectRef>
+          <a:fontRef idx="minor">
+            <a:schemeClr val="lt1"/>
+          </a:fontRef>
+        </p:style>
+        <p:txBody>
+          <a:bodyPr rtlCol="0" anchor="ctr"/>
+          <a:lstStyle/>
+          <a:p>
+            <a:pPr algn="ctr"/>
+            <a:endParaRPr lang="zh-CN" altLang="en-US"/>
+          </a:p>
+        </p:txBody>
+      </p:sp>
+      <p:sp>
+        <p:nvSpPr>
+          <p:cNvPr id="25" name="矩形: 圆角 24">
+            <a:extLst>
+              <a:ext uri="{FF2B5EF4-FFF2-40B4-BE49-F238E27FC236}">
+                <a16:creationId xmlns:a16="http://schemas.microsoft.com/office/drawing/2014/main" id="{7742BE52-9216-4ECB-AAC9-52AFA4A4C59E}"/>
+              </a:ext>
+            </a:extLst>
+          </p:cNvPr>
+          <p:cNvSpPr/>
+          <p:nvPr/>
+        </p:nvSpPr>
+        <p:spPr>
+          <a:xfrm>
+            <a:off x="8838229" y="1869187"/>
+            <a:ext cx="2652612" cy="2093856"/>
+          </a:xfrm>
+          <a:prstGeom prst="roundRect">
+            <a:avLst>
+              <a:gd name="adj" fmla="val 7806"/>
+            </a:avLst>
+          </a:prstGeom>
+          <a:solidFill>
+            <a:schemeClr val="tx1">
+              <a:lumMod val="75000"/>
+              <a:lumOff val="25000"/>
+            </a:schemeClr>
+          </a:solidFill>
+          <a:ln>
+            <a:noFill/>
+          </a:ln>
+          <a:effectLst>
+            <a:outerShdw blurRad="215900" dist="50800" dir="5400000" sx="101000" sy="101000" algn="ctr" rotWithShape="0">
+              <a:srgbClr val="000000">
+                <a:alpha val="9000"/>
+              </a:srgbClr>
+            </a:outerShdw>
+          </a:effectLst>
+        </p:spPr>
+        <p:style>
+          <a:lnRef idx="2">
+            <a:schemeClr val="accent1">
+              <a:shade val="50000"/>
+            </a:schemeClr>
+          </a:lnRef>
+          <a:fillRef idx="1">
+            <a:schemeClr val="accent1"/>
+          </a:fillRef>
+          <a:effectRef idx="0">
+            <a:schemeClr val="accent1"/>
+          </a:effectRef>
+          <a:fontRef idx="minor">
+            <a:schemeClr val="lt1"/>
+          </a:fontRef>
+        </p:style>
+        <p:txBody>
+          <a:bodyPr rtlCol="0" anchor="ctr"/>
+          <a:lstStyle/>
+          <a:p>
+            <a:pPr algn="ctr"/>
+            <a:r>
+              <a:rPr lang="en-US" altLang="zh-CN" sz="2400" dirty="0">
+                <a:latin typeface="Arial Black" panose="020B0A04020102020204" pitchFamily="34" charset="0"/>
+              </a:rPr>
+              <a:t>DB</a:t>
+            </a:r>
+            <a:endParaRPr lang="zh-CN" altLang="en-US" sz="2400" dirty="0">
+              <a:latin typeface="Arial Black" panose="020B0A04020102020204" pitchFamily="34" charset="0"/>
+            </a:endParaRPr>
+          </a:p>
+        </p:txBody>
+      </p:sp>
+      <p:sp>
+        <p:nvSpPr>
+          <p:cNvPr id="27" name="矩形: 圆角 26">
+            <a:extLst>
+              <a:ext uri="{FF2B5EF4-FFF2-40B4-BE49-F238E27FC236}">
+                <a16:creationId xmlns:a16="http://schemas.microsoft.com/office/drawing/2014/main" id="{46BD470E-A8D0-48F0-931A-B180B9F083F6}"/>
+              </a:ext>
+            </a:extLst>
+          </p:cNvPr>
+          <p:cNvSpPr/>
+          <p:nvPr/>
+        </p:nvSpPr>
+        <p:spPr>
+          <a:xfrm>
+            <a:off x="701159" y="1244289"/>
+            <a:ext cx="1220171" cy="963150"/>
+          </a:xfrm>
+          <a:prstGeom prst="roundRect">
+            <a:avLst>
+              <a:gd name="adj" fmla="val 7806"/>
+            </a:avLst>
+          </a:prstGeom>
+          <a:solidFill>
+            <a:schemeClr val="tx1">
+              <a:lumMod val="75000"/>
+              <a:lumOff val="25000"/>
+            </a:schemeClr>
+          </a:solidFill>
+          <a:ln>
+            <a:noFill/>
+          </a:ln>
+          <a:effectLst>
+            <a:outerShdw blurRad="215900" dist="50800" dir="5400000" sx="101000" sy="101000" algn="ctr" rotWithShape="0">
+              <a:srgbClr val="000000">
+                <a:alpha val="9000"/>
+              </a:srgbClr>
+            </a:outerShdw>
+          </a:effectLst>
+        </p:spPr>
+        <p:style>
+          <a:lnRef idx="2">
+            <a:schemeClr val="accent1">
+              <a:shade val="50000"/>
+            </a:schemeClr>
+          </a:lnRef>
+          <a:fillRef idx="1">
+            <a:schemeClr val="accent1"/>
+          </a:fillRef>
+          <a:effectRef idx="0">
+            <a:schemeClr val="accent1"/>
+          </a:effectRef>
+          <a:fontRef idx="minor">
+            <a:schemeClr val="lt1"/>
+          </a:fontRef>
+        </p:style>
+        <p:txBody>
+          <a:bodyPr rtlCol="0" anchor="ctr"/>
+          <a:lstStyle/>
+          <a:p>
+            <a:pPr algn="ctr"/>
+            <a:r>
+              <a:rPr lang="en-US" altLang="zh-CN" sz="2400" dirty="0">
+                <a:latin typeface="Arial Black" panose="020B0A04020102020204" pitchFamily="34" charset="0"/>
+              </a:rPr>
+              <a:t>CRUD</a:t>
+            </a:r>
+            <a:endParaRPr lang="zh-CN" altLang="en-US" sz="2400" dirty="0">
+              <a:latin typeface="Arial Black" panose="020B0A04020102020204" pitchFamily="34" charset="0"/>
+            </a:endParaRPr>
+          </a:p>
+        </p:txBody>
+      </p:sp>
+      <p:sp>
+        <p:nvSpPr>
+          <p:cNvPr id="28" name="矩形: 圆角 27">
+            <a:extLst>
+              <a:ext uri="{FF2B5EF4-FFF2-40B4-BE49-F238E27FC236}">
+                <a16:creationId xmlns:a16="http://schemas.microsoft.com/office/drawing/2014/main" id="{2EEB2DC6-240A-444E-89AC-A29DCBC4E8E8}"/>
+              </a:ext>
+            </a:extLst>
+          </p:cNvPr>
+          <p:cNvSpPr/>
+          <p:nvPr/>
+        </p:nvSpPr>
+        <p:spPr>
+          <a:xfrm>
+            <a:off x="701159" y="2495800"/>
+            <a:ext cx="1220171" cy="963150"/>
+          </a:xfrm>
+          <a:prstGeom prst="roundRect">
+            <a:avLst>
+              <a:gd name="adj" fmla="val 7806"/>
+            </a:avLst>
+          </a:prstGeom>
+          <a:solidFill>
+            <a:schemeClr val="tx1">
+              <a:lumMod val="75000"/>
+              <a:lumOff val="25000"/>
+            </a:schemeClr>
+          </a:solidFill>
+          <a:ln>
+            <a:noFill/>
+          </a:ln>
+          <a:effectLst>
+            <a:outerShdw blurRad="215900" dist="50800" dir="5400000" sx="101000" sy="101000" algn="ctr" rotWithShape="0">
+              <a:srgbClr val="000000">
+                <a:alpha val="9000"/>
+              </a:srgbClr>
+            </a:outerShdw>
+          </a:effectLst>
+        </p:spPr>
+        <p:style>
+          <a:lnRef idx="2">
+            <a:schemeClr val="accent1">
+              <a:shade val="50000"/>
+            </a:schemeClr>
+          </a:lnRef>
+          <a:fillRef idx="1">
+            <a:schemeClr val="accent1"/>
+          </a:fillRef>
+          <a:effectRef idx="0">
+            <a:schemeClr val="accent1"/>
+          </a:effectRef>
+          <a:fontRef idx="minor">
+            <a:schemeClr val="lt1"/>
+          </a:fontRef>
+        </p:style>
+        <p:txBody>
+          <a:bodyPr rtlCol="0" anchor="ctr"/>
+          <a:lstStyle/>
+          <a:p>
+            <a:pPr algn="ctr"/>
+            <a:r>
+              <a:rPr lang="en-US" altLang="zh-CN" sz="2400" dirty="0">
+                <a:latin typeface="Arial Black" panose="020B0A04020102020204" pitchFamily="34" charset="0"/>
+              </a:rPr>
+              <a:t>CRUD</a:t>
+            </a:r>
+            <a:endParaRPr lang="zh-CN" altLang="en-US" sz="2400" dirty="0">
+              <a:latin typeface="Arial Black" panose="020B0A04020102020204" pitchFamily="34" charset="0"/>
+            </a:endParaRPr>
+          </a:p>
+        </p:txBody>
+      </p:sp>
+      <p:sp>
+        <p:nvSpPr>
+          <p:cNvPr id="29" name="矩形: 圆角 28">
+            <a:extLst>
+              <a:ext uri="{FF2B5EF4-FFF2-40B4-BE49-F238E27FC236}">
+                <a16:creationId xmlns:a16="http://schemas.microsoft.com/office/drawing/2014/main" id="{21457EA9-7A7F-4A43-8F96-8744CC4921F8}"/>
+              </a:ext>
+            </a:extLst>
+          </p:cNvPr>
+          <p:cNvSpPr/>
+          <p:nvPr/>
+        </p:nvSpPr>
+        <p:spPr>
+          <a:xfrm>
+            <a:off x="701159" y="3747311"/>
+            <a:ext cx="1220171" cy="963150"/>
+          </a:xfrm>
+          <a:prstGeom prst="roundRect">
+            <a:avLst>
+              <a:gd name="adj" fmla="val 7806"/>
+            </a:avLst>
+          </a:prstGeom>
+          <a:solidFill>
+            <a:schemeClr val="tx1">
+              <a:lumMod val="75000"/>
+              <a:lumOff val="25000"/>
+            </a:schemeClr>
+          </a:solidFill>
+          <a:ln>
+            <a:noFill/>
+          </a:ln>
+          <a:effectLst>
+            <a:outerShdw blurRad="215900" dist="50800" dir="5400000" sx="101000" sy="101000" algn="ctr" rotWithShape="0">
+              <a:srgbClr val="000000">
+                <a:alpha val="9000"/>
+              </a:srgbClr>
+            </a:outerShdw>
+          </a:effectLst>
+        </p:spPr>
+        <p:style>
+          <a:lnRef idx="2">
+            <a:schemeClr val="accent1">
+              <a:shade val="50000"/>
+            </a:schemeClr>
+          </a:lnRef>
+          <a:fillRef idx="1">
+            <a:schemeClr val="accent1"/>
+          </a:fillRef>
+          <a:effectRef idx="0">
+            <a:schemeClr val="accent1"/>
+          </a:effectRef>
+          <a:fontRef idx="minor">
+            <a:schemeClr val="lt1"/>
+          </a:fontRef>
+        </p:style>
+        <p:txBody>
+          <a:bodyPr rtlCol="0" anchor="ctr"/>
+          <a:lstStyle/>
+          <a:p>
+            <a:pPr algn="ctr"/>
+            <a:r>
+              <a:rPr lang="en-US" altLang="zh-CN" sz="2400" dirty="0">
+                <a:latin typeface="Arial Black" panose="020B0A04020102020204" pitchFamily="34" charset="0"/>
+              </a:rPr>
+              <a:t>CRUD</a:t>
+            </a:r>
+            <a:endParaRPr lang="zh-CN" altLang="en-US" sz="2400" dirty="0">
+              <a:latin typeface="Arial Black" panose="020B0A04020102020204" pitchFamily="34" charset="0"/>
+            </a:endParaRPr>
+          </a:p>
+        </p:txBody>
+      </p:sp>
+      <p:cxnSp>
+        <p:nvCxnSpPr>
+          <p:cNvPr id="15" name="直接箭头连接符 14">
+            <a:extLst>
+              <a:ext uri="{FF2B5EF4-FFF2-40B4-BE49-F238E27FC236}">
+                <a16:creationId xmlns:a16="http://schemas.microsoft.com/office/drawing/2014/main" id="{8F43834B-492B-4639-9AB9-325F0A2B1E11}"/>
+              </a:ext>
+            </a:extLst>
+          </p:cNvPr>
+          <p:cNvCxnSpPr>
+            <a:cxnSpLocks/>
+            <a:stCxn id="4" idx="1"/>
+            <a:endCxn id="27" idx="3"/>
+          </p:cNvCxnSpPr>
+          <p:nvPr/>
+        </p:nvCxnSpPr>
+        <p:spPr>
+          <a:xfrm flipH="1" flipV="1">
+            <a:off x="1921330" y="1725864"/>
+            <a:ext cx="935097" cy="1190251"/>
+          </a:xfrm>
+          <a:prstGeom prst="straightConnector1">
+            <a:avLst/>
+          </a:prstGeom>
+          <a:ln>
+            <a:tailEnd type="triangle"/>
+          </a:ln>
+        </p:spPr>
+        <p:style>
+          <a:lnRef idx="1">
+            <a:schemeClr val="accent1"/>
+          </a:lnRef>
+          <a:fillRef idx="0">
+            <a:schemeClr val="accent1"/>
+          </a:fillRef>
+          <a:effectRef idx="0">
+            <a:schemeClr val="accent1"/>
+          </a:effectRef>
+          <a:fontRef idx="minor">
+            <a:schemeClr val="tx1"/>
+          </a:fontRef>
+        </p:style>
+      </p:cxnSp>
+      <p:cxnSp>
+        <p:nvCxnSpPr>
+          <p:cNvPr id="30" name="直接箭头连接符 29">
+            <a:extLst>
+              <a:ext uri="{FF2B5EF4-FFF2-40B4-BE49-F238E27FC236}">
+                <a16:creationId xmlns:a16="http://schemas.microsoft.com/office/drawing/2014/main" id="{AE12FF7C-C731-458E-9863-540110603291}"/>
+              </a:ext>
+            </a:extLst>
+          </p:cNvPr>
+          <p:cNvCxnSpPr>
+            <a:cxnSpLocks/>
+            <a:stCxn id="4" idx="1"/>
+          </p:cNvCxnSpPr>
+          <p:nvPr/>
+        </p:nvCxnSpPr>
+        <p:spPr>
+          <a:xfrm flipH="1">
+            <a:off x="1793633" y="2916115"/>
+            <a:ext cx="1062794" cy="2"/>
+          </a:xfrm>
+          <a:prstGeom prst="straightConnector1">
+            <a:avLst/>
+          </a:prstGeom>
+          <a:ln>
+            <a:tailEnd type="triangle"/>
+          </a:ln>
+        </p:spPr>
+        <p:style>
+          <a:lnRef idx="1">
+            <a:schemeClr val="accent1"/>
+          </a:lnRef>
+          <a:fillRef idx="0">
+            <a:schemeClr val="accent1"/>
+          </a:fillRef>
+          <a:effectRef idx="0">
+            <a:schemeClr val="accent1"/>
+          </a:effectRef>
+          <a:fontRef idx="minor">
+            <a:schemeClr val="tx1"/>
+          </a:fontRef>
+        </p:style>
+      </p:cxnSp>
+      <p:cxnSp>
+        <p:nvCxnSpPr>
+          <p:cNvPr id="31" name="直接箭头连接符 30">
+            <a:extLst>
+              <a:ext uri="{FF2B5EF4-FFF2-40B4-BE49-F238E27FC236}">
+                <a16:creationId xmlns:a16="http://schemas.microsoft.com/office/drawing/2014/main" id="{820CCED0-5BAC-45E9-A5B9-6D9BD4D9BA09}"/>
+              </a:ext>
+            </a:extLst>
+          </p:cNvPr>
+          <p:cNvCxnSpPr>
+            <a:cxnSpLocks/>
+            <a:stCxn id="4" idx="1"/>
+            <a:endCxn id="29" idx="3"/>
+          </p:cNvCxnSpPr>
+          <p:nvPr/>
+        </p:nvCxnSpPr>
+        <p:spPr>
+          <a:xfrm flipH="1">
+            <a:off x="1921330" y="2916115"/>
+            <a:ext cx="935097" cy="1312771"/>
+          </a:xfrm>
+          <a:prstGeom prst="straightConnector1">
+            <a:avLst/>
+          </a:prstGeom>
+          <a:ln>
+            <a:tailEnd type="triangle"/>
+          </a:ln>
+        </p:spPr>
+        <p:style>
+          <a:lnRef idx="1">
+            <a:schemeClr val="accent1"/>
+          </a:lnRef>
+          <a:fillRef idx="0">
+            <a:schemeClr val="accent1"/>
+          </a:fillRef>
+          <a:effectRef idx="0">
+            <a:schemeClr val="accent1"/>
+          </a:effectRef>
+          <a:fontRef idx="minor">
+            <a:schemeClr val="tx1"/>
+          </a:fontRef>
+        </p:style>
+      </p:cxnSp>
+      <p:cxnSp>
+        <p:nvCxnSpPr>
+          <p:cNvPr id="38" name="直接箭头连接符 37">
+            <a:extLst>
+              <a:ext uri="{FF2B5EF4-FFF2-40B4-BE49-F238E27FC236}">
+                <a16:creationId xmlns:a16="http://schemas.microsoft.com/office/drawing/2014/main" id="{D7851343-2228-452C-B4FA-C71E8D16595C}"/>
+              </a:ext>
+            </a:extLst>
+          </p:cNvPr>
+          <p:cNvCxnSpPr>
+            <a:stCxn id="4" idx="3"/>
+            <a:endCxn id="25" idx="1"/>
+          </p:cNvCxnSpPr>
+          <p:nvPr/>
+        </p:nvCxnSpPr>
+        <p:spPr>
+          <a:xfrm>
+            <a:off x="7905356" y="2916115"/>
+            <a:ext cx="932873" cy="0"/>
+          </a:xfrm>
+          <a:prstGeom prst="straightConnector1">
+            <a:avLst/>
+          </a:prstGeom>
+          <a:ln>
+            <a:headEnd type="triangle"/>
+            <a:tailEnd type="triangle"/>
+          </a:ln>
+        </p:spPr>
+        <p:style>
+          <a:lnRef idx="1">
+            <a:schemeClr val="accent2"/>
+          </a:lnRef>
+          <a:fillRef idx="0">
+            <a:schemeClr val="accent2"/>
+          </a:fillRef>
+          <a:effectRef idx="0">
+            <a:schemeClr val="accent2"/>
+          </a:effectRef>
+          <a:fontRef idx="minor">
+            <a:schemeClr val="tx1"/>
+          </a:fontRef>
+        </p:style>
+      </p:cxnSp>
+    </p:spTree>
+    <p:extLst>
+      <p:ext uri="{BB962C8B-B14F-4D97-AF65-F5344CB8AC3E}">
+        <p14:creationId xmlns:p14="http://schemas.microsoft.com/office/powerpoint/2010/main" val="800487052"/>
+      </p:ext>
+    </p:extLst>
+  </p:cSld>
+  <p:clrMapOvr>
+    <a:masterClrMapping/>
+  </p:clrMapOvr>
+</p:sld>
+</file>
+
+<file path=ppt/slides/slide4.xml><?xml version="1.0" encoding="utf-8"?>
 <p:sld xmlns:a="http://schemas.openxmlformats.org/drawingml/2006/main" xmlns:r="http://schemas.openxmlformats.org/officeDocument/2006/relationships" xmlns:p="http://schemas.openxmlformats.org/presentationml/2006/main">
   <p:cSld>
     <p:bg>
@@ -4933,7 +6600,7 @@
 </p:sld>
 </file>
 
-<file path=ppt/slides/slide3.xml><?xml version="1.0" encoding="utf-8"?>
+<file path=ppt/slides/slide5.xml><?xml version="1.0" encoding="utf-8"?>
 <p:sld xmlns:a="http://schemas.openxmlformats.org/drawingml/2006/main" xmlns:r="http://schemas.openxmlformats.org/officeDocument/2006/relationships" xmlns:p="http://schemas.openxmlformats.org/presentationml/2006/main">
   <p:cSld>
     <p:bg>
@@ -6360,7 +8027,7 @@
 </p:sld>
 </file>
 
-<file path=ppt/slides/slide4.xml><?xml version="1.0" encoding="utf-8"?>
+<file path=ppt/slides/slide6.xml><?xml version="1.0" encoding="utf-8"?>
 <p:sld xmlns:a="http://schemas.openxmlformats.org/drawingml/2006/main" xmlns:r="http://schemas.openxmlformats.org/officeDocument/2006/relationships" xmlns:p="http://schemas.openxmlformats.org/presentationml/2006/main">
   <p:cSld>
     <p:bg>
@@ -8378,7 +10045,7 @@
 </p:sld>
 </file>
 
-<file path=ppt/slides/slide5.xml><?xml version="1.0" encoding="utf-8"?>
+<file path=ppt/slides/slide7.xml><?xml version="1.0" encoding="utf-8"?>
 <p:sld xmlns:a="http://schemas.openxmlformats.org/drawingml/2006/main" xmlns:r="http://schemas.openxmlformats.org/officeDocument/2006/relationships" xmlns:p="http://schemas.openxmlformats.org/presentationml/2006/main">
   <p:cSld>
     <p:bg>
@@ -9407,7 +11074,7 @@
 </p:sld>
 </file>
 
-<file path=ppt/slides/slide6.xml><?xml version="1.0" encoding="utf-8"?>
+<file path=ppt/slides/slide8.xml><?xml version="1.0" encoding="utf-8"?>
 <p:sld xmlns:a="http://schemas.openxmlformats.org/drawingml/2006/main" xmlns:r="http://schemas.openxmlformats.org/officeDocument/2006/relationships" xmlns:p="http://schemas.openxmlformats.org/presentationml/2006/main">
   <p:cSld>
     <p:bg>
@@ -10486,7 +12153,7 @@
 </p:sld>
 </file>
 
-<file path=ppt/slides/slide7.xml><?xml version="1.0" encoding="utf-8"?>
+<file path=ppt/slides/slide9.xml><?xml version="1.0" encoding="utf-8"?>
 <p:sld xmlns:a="http://schemas.openxmlformats.org/drawingml/2006/main" xmlns:r="http://schemas.openxmlformats.org/officeDocument/2006/relationships" xmlns:p="http://schemas.openxmlformats.org/presentationml/2006/main">
   <p:cSld>
     <p:bg>
